--- a/lessons/lesson1/lecture1.pptx
+++ b/lessons/lesson1/lecture1.pptx
@@ -19470,7 +19470,7 @@
                 <a:latin typeface="Arial Black" panose="020B0A04020102020204" pitchFamily="34" charset="0"/>
                 <a:cs typeface="Arial Black" panose="020B0A04020102020204" pitchFamily="34" charset="0"/>
               </a:rPr>
-              <a:t>StackPverflow</a:t>
+              <a:t>StackOverflow</a:t>
             </a:r>
             <a:r>
               <a:rPr lang="ru-RU" altLang="ru-RU" sz="6000">
